--- a/papers/DRCPA/docs/PerfTest - Setup (TPTP).pptx
+++ b/papers/DRCPA/docs/PerfTest - Setup (TPTP).pptx
@@ -15,6 +15,9 @@
     <p:sldId id="285" r:id="rId9"/>
     <p:sldId id="286" r:id="rId10"/>
     <p:sldId id="287" r:id="rId11"/>
+    <p:sldId id="289" r:id="rId12"/>
+    <p:sldId id="288" r:id="rId13"/>
+    <p:sldId id="290" r:id="rId14"/>
   </p:sldIdLst>
   <p:sldSz cx="9144000" cy="6858000" type="screen4x3"/>
   <p:notesSz cx="6858000" cy="9144000"/>
@@ -303,7 +306,7 @@
             <a:fld id="{C60591B3-B4ED-4C31-8AEF-63EEC6A32F51}" type="datetimeFigureOut">
               <a:rPr lang="en-US" smtClean="0"/>
               <a:pPr/>
-              <a:t>9/16/2009</a:t>
+              <a:t>9/21/2009</a:t>
             </a:fld>
             <a:endParaRPr lang="en-US"/>
           </a:p>
@@ -470,7 +473,7 @@
             <a:fld id="{C60591B3-B4ED-4C31-8AEF-63EEC6A32F51}" type="datetimeFigureOut">
               <a:rPr lang="en-US" smtClean="0"/>
               <a:pPr/>
-              <a:t>9/16/2009</a:t>
+              <a:t>9/21/2009</a:t>
             </a:fld>
             <a:endParaRPr lang="en-US"/>
           </a:p>
@@ -647,7 +650,7 @@
             <a:fld id="{C60591B3-B4ED-4C31-8AEF-63EEC6A32F51}" type="datetimeFigureOut">
               <a:rPr lang="en-US" smtClean="0"/>
               <a:pPr/>
-              <a:t>9/16/2009</a:t>
+              <a:t>9/21/2009</a:t>
             </a:fld>
             <a:endParaRPr lang="en-US"/>
           </a:p>
@@ -814,7 +817,7 @@
             <a:fld id="{C60591B3-B4ED-4C31-8AEF-63EEC6A32F51}" type="datetimeFigureOut">
               <a:rPr lang="en-US" smtClean="0"/>
               <a:pPr/>
-              <a:t>9/16/2009</a:t>
+              <a:t>9/21/2009</a:t>
             </a:fld>
             <a:endParaRPr lang="en-US"/>
           </a:p>
@@ -1062,7 +1065,7 @@
             <a:fld id="{C60591B3-B4ED-4C31-8AEF-63EEC6A32F51}" type="datetimeFigureOut">
               <a:rPr lang="en-US" smtClean="0"/>
               <a:pPr/>
-              <a:t>9/16/2009</a:t>
+              <a:t>9/21/2009</a:t>
             </a:fld>
             <a:endParaRPr lang="en-US"/>
           </a:p>
@@ -1347,7 +1350,7 @@
             <a:fld id="{C60591B3-B4ED-4C31-8AEF-63EEC6A32F51}" type="datetimeFigureOut">
               <a:rPr lang="en-US" smtClean="0"/>
               <a:pPr/>
-              <a:t>9/16/2009</a:t>
+              <a:t>9/21/2009</a:t>
             </a:fld>
             <a:endParaRPr lang="en-US"/>
           </a:p>
@@ -1766,7 +1769,7 @@
             <a:fld id="{C60591B3-B4ED-4C31-8AEF-63EEC6A32F51}" type="datetimeFigureOut">
               <a:rPr lang="en-US" smtClean="0"/>
               <a:pPr/>
-              <a:t>9/16/2009</a:t>
+              <a:t>9/21/2009</a:t>
             </a:fld>
             <a:endParaRPr lang="en-US"/>
           </a:p>
@@ -1881,7 +1884,7 @@
             <a:fld id="{C60591B3-B4ED-4C31-8AEF-63EEC6A32F51}" type="datetimeFigureOut">
               <a:rPr lang="en-US" smtClean="0"/>
               <a:pPr/>
-              <a:t>9/16/2009</a:t>
+              <a:t>9/21/2009</a:t>
             </a:fld>
             <a:endParaRPr lang="en-US"/>
           </a:p>
@@ -1973,7 +1976,7 @@
             <a:fld id="{C60591B3-B4ED-4C31-8AEF-63EEC6A32F51}" type="datetimeFigureOut">
               <a:rPr lang="en-US" smtClean="0"/>
               <a:pPr/>
-              <a:t>9/16/2009</a:t>
+              <a:t>9/21/2009</a:t>
             </a:fld>
             <a:endParaRPr lang="en-US"/>
           </a:p>
@@ -2247,7 +2250,7 @@
             <a:fld id="{C60591B3-B4ED-4C31-8AEF-63EEC6A32F51}" type="datetimeFigureOut">
               <a:rPr lang="en-US" smtClean="0"/>
               <a:pPr/>
-              <a:t>9/16/2009</a:t>
+              <a:t>9/21/2009</a:t>
             </a:fld>
             <a:endParaRPr lang="en-US"/>
           </a:p>
@@ -2497,7 +2500,7 @@
             <a:fld id="{C60591B3-B4ED-4C31-8AEF-63EEC6A32F51}" type="datetimeFigureOut">
               <a:rPr lang="en-US" smtClean="0"/>
               <a:pPr/>
-              <a:t>9/16/2009</a:t>
+              <a:t>9/21/2009</a:t>
             </a:fld>
             <a:endParaRPr lang="en-US"/>
           </a:p>
@@ -2707,7 +2710,7 @@
             <a:fld id="{C60591B3-B4ED-4C31-8AEF-63EEC6A32F51}" type="datetimeFigureOut">
               <a:rPr lang="en-US" smtClean="0"/>
               <a:pPr/>
-              <a:t>9/16/2009</a:t>
+              <a:t>9/21/2009</a:t>
             </a:fld>
             <a:endParaRPr lang="en-US"/>
           </a:p>
@@ -3254,6 +3257,263 @@
 </p:sld>
 </file>
 
+<file path=ppt/slides/slide11.xml><?xml version="1.0" encoding="utf-8"?>
+<p:sld xmlns:a="http://schemas.openxmlformats.org/drawingml/2006/main" xmlns:r="http://schemas.openxmlformats.org/officeDocument/2006/relationships" xmlns:p="http://schemas.openxmlformats.org/presentationml/2006/main">
+  <p:cSld>
+    <p:spTree>
+      <p:nvGrpSpPr>
+        <p:cNvPr id="1" name=""/>
+        <p:cNvGrpSpPr/>
+        <p:nvPr/>
+      </p:nvGrpSpPr>
+      <p:grpSpPr>
+        <a:xfrm>
+          <a:off x="0" y="0"/>
+          <a:ext cx="0" cy="0"/>
+          <a:chOff x="0" y="0"/>
+          <a:chExt cx="0" cy="0"/>
+        </a:xfrm>
+      </p:grpSpPr>
+      <p:sp>
+        <p:nvSpPr>
+          <p:cNvPr id="4" name="Title 3"/>
+          <p:cNvSpPr>
+            <a:spLocks noGrp="1"/>
+          </p:cNvSpPr>
+          <p:nvPr>
+            <p:ph type="title"/>
+          </p:nvPr>
+        </p:nvSpPr>
+        <p:spPr/>
+        <p:txBody>
+          <a:bodyPr/>
+          <a:lstStyle/>
+          <a:p>
+            <a:r>
+              <a:rPr lang="en-US" dirty="0" smtClean="0"/>
+              <a:t>Trouble Shooting</a:t>
+            </a:r>
+            <a:endParaRPr lang="en-US" dirty="0"/>
+          </a:p>
+        </p:txBody>
+      </p:sp>
+      <p:sp>
+        <p:nvSpPr>
+          <p:cNvPr id="5" name="Text Placeholder 4"/>
+          <p:cNvSpPr>
+            <a:spLocks noGrp="1"/>
+          </p:cNvSpPr>
+          <p:nvPr>
+            <p:ph type="body" idx="1"/>
+          </p:nvPr>
+        </p:nvSpPr>
+        <p:spPr/>
+        <p:txBody>
+          <a:bodyPr/>
+          <a:lstStyle/>
+          <a:p>
+            <a:endParaRPr lang="en-US"/>
+          </a:p>
+        </p:txBody>
+      </p:sp>
+    </p:spTree>
+  </p:cSld>
+  <p:clrMapOvr>
+    <a:masterClrMapping/>
+  </p:clrMapOvr>
+</p:sld>
+</file>
+
+<file path=ppt/slides/slide12.xml><?xml version="1.0" encoding="utf-8"?>
+<p:sld xmlns:a="http://schemas.openxmlformats.org/drawingml/2006/main" xmlns:r="http://schemas.openxmlformats.org/officeDocument/2006/relationships" xmlns:p="http://schemas.openxmlformats.org/presentationml/2006/main">
+  <p:cSld>
+    <p:spTree>
+      <p:nvGrpSpPr>
+        <p:cNvPr id="1" name=""/>
+        <p:cNvGrpSpPr/>
+        <p:nvPr/>
+      </p:nvGrpSpPr>
+      <p:grpSpPr>
+        <a:xfrm>
+          <a:off x="0" y="0"/>
+          <a:ext cx="0" cy="0"/>
+          <a:chOff x="0" y="0"/>
+          <a:chExt cx="0" cy="0"/>
+        </a:xfrm>
+      </p:grpSpPr>
+      <p:sp>
+        <p:nvSpPr>
+          <p:cNvPr id="2" name="Title 1"/>
+          <p:cNvSpPr>
+            <a:spLocks noGrp="1"/>
+          </p:cNvSpPr>
+          <p:nvPr>
+            <p:ph type="title"/>
+          </p:nvPr>
+        </p:nvSpPr>
+        <p:spPr/>
+        <p:txBody>
+          <a:bodyPr>
+            <a:normAutofit/>
+          </a:bodyPr>
+          <a:lstStyle/>
+          <a:p>
+            <a:r>
+              <a:rPr lang="en-US" dirty="0" smtClean="0"/>
+              <a:t>IWAT0284E</a:t>
+            </a:r>
+            <a:endParaRPr lang="en-US" dirty="0"/>
+          </a:p>
+        </p:txBody>
+      </p:sp>
+      <p:sp>
+        <p:nvSpPr>
+          <p:cNvPr id="3" name="Content Placeholder 2"/>
+          <p:cNvSpPr>
+            <a:spLocks noGrp="1"/>
+          </p:cNvSpPr>
+          <p:nvPr>
+            <p:ph idx="1"/>
+          </p:nvPr>
+        </p:nvSpPr>
+        <p:spPr/>
+        <p:txBody>
+          <a:bodyPr/>
+          <a:lstStyle/>
+          <a:p>
+            <a:r>
+              <a:rPr lang="en-US" dirty="0" smtClean="0"/>
+              <a:t>IWAT0284E</a:t>
+            </a:r>
+          </a:p>
+          <a:p>
+            <a:endParaRPr lang="en-US" dirty="0" smtClean="0"/>
+          </a:p>
+          <a:p>
+            <a:endParaRPr lang="en-US" dirty="0" smtClean="0"/>
+          </a:p>
+          <a:p>
+            <a:endParaRPr lang="en-US" dirty="0" smtClean="0"/>
+          </a:p>
+          <a:p>
+            <a:endParaRPr lang="en-US" dirty="0" smtClean="0"/>
+          </a:p>
+          <a:p>
+            <a:r>
+              <a:rPr lang="en-US" dirty="0" smtClean="0"/>
+              <a:t>http://www-01.ibm.com/support/docview.wss?uid=swg21281597</a:t>
+            </a:r>
+            <a:endParaRPr lang="en-US" dirty="0"/>
+          </a:p>
+        </p:txBody>
+      </p:sp>
+      <p:pic>
+        <p:nvPicPr>
+          <p:cNvPr id="1026" name="Picture 2"/>
+          <p:cNvPicPr>
+            <a:picLocks noChangeAspect="1" noChangeArrowheads="1"/>
+          </p:cNvPicPr>
+          <p:nvPr/>
+        </p:nvPicPr>
+        <p:blipFill>
+          <a:blip r:embed="rId2" cstate="print"/>
+          <a:srcRect/>
+          <a:stretch>
+            <a:fillRect/>
+          </a:stretch>
+        </p:blipFill>
+        <p:spPr bwMode="auto">
+          <a:xfrm>
+            <a:off x="3124200" y="1752600"/>
+            <a:ext cx="4219575" cy="2581275"/>
+          </a:xfrm>
+          <a:prstGeom prst="rect">
+            <a:avLst/>
+          </a:prstGeom>
+          <a:noFill/>
+          <a:ln w="9525">
+            <a:noFill/>
+            <a:miter lim="800000"/>
+            <a:headEnd/>
+            <a:tailEnd/>
+          </a:ln>
+        </p:spPr>
+      </p:pic>
+    </p:spTree>
+  </p:cSld>
+  <p:clrMapOvr>
+    <a:masterClrMapping/>
+  </p:clrMapOvr>
+</p:sld>
+</file>
+
+<file path=ppt/slides/slide13.xml><?xml version="1.0" encoding="utf-8"?>
+<p:sld xmlns:a="http://schemas.openxmlformats.org/drawingml/2006/main" xmlns:r="http://schemas.openxmlformats.org/officeDocument/2006/relationships" xmlns:p="http://schemas.openxmlformats.org/presentationml/2006/main">
+  <p:cSld>
+    <p:spTree>
+      <p:nvGrpSpPr>
+        <p:cNvPr id="1" name=""/>
+        <p:cNvGrpSpPr/>
+        <p:nvPr/>
+      </p:nvGrpSpPr>
+      <p:grpSpPr>
+        <a:xfrm>
+          <a:off x="0" y="0"/>
+          <a:ext cx="0" cy="0"/>
+          <a:chOff x="0" y="0"/>
+          <a:chExt cx="0" cy="0"/>
+        </a:xfrm>
+      </p:grpSpPr>
+      <p:sp>
+        <p:nvSpPr>
+          <p:cNvPr id="2" name="Title 1"/>
+          <p:cNvSpPr>
+            <a:spLocks noGrp="1"/>
+          </p:cNvSpPr>
+          <p:nvPr>
+            <p:ph type="title"/>
+          </p:nvPr>
+        </p:nvSpPr>
+        <p:spPr/>
+        <p:txBody>
+          <a:bodyPr/>
+          <a:lstStyle/>
+          <a:p>
+            <a:endParaRPr lang="en-US"/>
+          </a:p>
+        </p:txBody>
+      </p:sp>
+      <p:sp>
+        <p:nvSpPr>
+          <p:cNvPr id="3" name="Content Placeholder 2"/>
+          <p:cNvSpPr>
+            <a:spLocks noGrp="1"/>
+          </p:cNvSpPr>
+          <p:nvPr>
+            <p:ph idx="1"/>
+          </p:nvPr>
+        </p:nvSpPr>
+        <p:spPr/>
+        <p:txBody>
+          <a:bodyPr/>
+          <a:lstStyle/>
+          <a:p>
+            <a:r>
+              <a:rPr lang="en-US" smtClean="0"/>
+              <a:t>the launch requires at least one data collector to be selected.</a:t>
+            </a:r>
+            <a:endParaRPr lang="en-US"/>
+          </a:p>
+        </p:txBody>
+      </p:sp>
+    </p:spTree>
+  </p:cSld>
+  <p:clrMapOvr>
+    <a:masterClrMapping/>
+  </p:clrMapOvr>
+</p:sld>
+</file>
+
 <file path=ppt/slides/slide2.xml><?xml version="1.0" encoding="utf-8"?>
 <p:sld xmlns:a="http://schemas.openxmlformats.org/drawingml/2006/main" xmlns:r="http://schemas.openxmlformats.org/officeDocument/2006/relationships" xmlns:p="http://schemas.openxmlformats.org/presentationml/2006/main">
   <p:cSld>
@@ -3492,13 +3752,7 @@
               <a:rPr lang="en-US" dirty="0" smtClean="0">
                 <a:hlinkClick r:id="rId2"/>
               </a:rPr>
-              <a:t>http://www.eclipse.org/tptp/home/downloads/?</a:t>
-            </a:r>
-            <a:r>
-              <a:rPr lang="en-US" dirty="0" smtClean="0">
-                <a:hlinkClick r:id="rId2"/>
-              </a:rPr>
-              <a:t>ver=4.5.1</a:t>
+              <a:t>http://www.eclipse.org/tptp/home/downloads/?ver=4.5.1</a:t>
             </a:r>
             <a:endParaRPr lang="en-US" dirty="0" smtClean="0"/>
           </a:p>
@@ -3579,18 +3833,36 @@
           <a:p>
             <a:r>
               <a:rPr lang="en-US" dirty="0" smtClean="0"/>
-              <a:t>JAVA_HOME=C:\</a:t>
-            </a:r>
-            <a:r>
-              <a:rPr lang="en-US" smtClean="0"/>
-              <a:t>Program Files\Java\jdk1.6.0_16</a:t>
-            </a:r>
-          </a:p>
-          <a:p>
+              <a:t>JAVA_HOME=C:\Program </a:t>
+            </a:r>
             <a:r>
               <a:rPr lang="en-US" dirty="0" smtClean="0"/>
-              <a:t>TPTP_AC_HOME = C:\TPTP_AC</a:t>
-            </a:r>
+              <a:t>Files\Java\</a:t>
+            </a:r>
+            <a:r>
+              <a:rPr lang="en-US" b="1" dirty="0" smtClean="0">
+                <a:solidFill>
+                  <a:srgbClr val="FF0000"/>
+                </a:solidFill>
+              </a:rPr>
+              <a:t>jdk1.5.0_21</a:t>
+            </a:r>
+            <a:endParaRPr lang="en-US" b="1" dirty="0" smtClean="0">
+              <a:solidFill>
+                <a:srgbClr val="FF0000"/>
+              </a:solidFill>
+            </a:endParaRPr>
+          </a:p>
+          <a:p>
+            <a:r>
+              <a:rPr lang="en-US" dirty="0" smtClean="0"/>
+              <a:t>TPTP_AC_HOME = C</a:t>
+            </a:r>
+            <a:r>
+              <a:rPr lang="en-US" dirty="0" smtClean="0"/>
+              <a:t>:\tptpAC</a:t>
+            </a:r>
+            <a:endParaRPr lang="en-US" dirty="0" smtClean="0"/>
           </a:p>
           <a:p>
             <a:r>
@@ -3918,13 +4190,8 @@
             </a:pPr>
             <a:r>
               <a:rPr lang="en-US" dirty="0" smtClean="0"/>
-              <a:t>Starting Agent </a:t>
-            </a:r>
-            <a:r>
-              <a:rPr lang="en-US" dirty="0" smtClean="0"/>
-              <a:t>Controller (Admin)</a:t>
-            </a:r>
-            <a:endParaRPr lang="en-US" dirty="0" smtClean="0"/>
+              <a:t>Starting Agent Controller (Admin)</a:t>
+            </a:r>
           </a:p>
           <a:p>
             <a:pPr marL="914400" lvl="1" indent="-514350">
@@ -3943,9 +4210,15 @@
                 <a:latin typeface="Courier New" pitchFamily="49" charset="0"/>
                 <a:cs typeface="Courier New" pitchFamily="49" charset="0"/>
               </a:rPr>
-              <a:t> add “Agent Controller” “C:\TPTP_AC”</a:t>
-            </a:r>
-            <a:endParaRPr lang="en-US" dirty="0" smtClean="0"/>
+              <a:t> add “Agent Controller” “C</a:t>
+            </a:r>
+            <a:r>
+              <a:rPr lang="en-US" dirty="0" smtClean="0">
+                <a:latin typeface="Courier New" pitchFamily="49" charset="0"/>
+                <a:cs typeface="Courier New" pitchFamily="49" charset="0"/>
+              </a:rPr>
+              <a:t>:\tptpAC”</a:t>
+            </a:r>
           </a:p>
           <a:p>
             <a:pPr marL="514350" indent="-514350">
@@ -3956,7 +4229,13 @@
               <a:rPr lang="en-US" dirty="0" smtClean="0">
                 <a:cs typeface="Courier New" pitchFamily="49" charset="0"/>
               </a:rPr>
-              <a:t>Querying Agent Controller Version Information</a:t>
+              <a:t>Querying </a:t>
+            </a:r>
+            <a:r>
+              <a:rPr lang="en-US" dirty="0" smtClean="0">
+                <a:cs typeface="Courier New" pitchFamily="49" charset="0"/>
+              </a:rPr>
+              <a:t>Agent Controller Version Information</a:t>
             </a:r>
           </a:p>
           <a:p>
@@ -4089,15 +4368,7 @@
           <a:p>
             <a:r>
               <a:rPr lang="en-US" dirty="0" smtClean="0"/>
-              <a:t>Installation and Configuration on the </a:t>
-            </a:r>
-            <a:r>
-              <a:rPr lang="en-US" dirty="0" smtClean="0"/>
-              <a:t>CLIENT </a:t>
-            </a:r>
-            <a:r>
-              <a:rPr lang="en-US" dirty="0" smtClean="0"/>
-              <a:t>side</a:t>
+              <a:t>Installation and Configuration on the CLIENT side</a:t>
             </a:r>
             <a:endParaRPr lang="en-US" dirty="0"/>
           </a:p>
@@ -4185,11 +4456,7 @@
             <a:pPr lvl="1"/>
             <a:r>
               <a:rPr lang="en-US" dirty="0" smtClean="0"/>
-              <a:t>Download “TPTP all-in-one package</a:t>
-            </a:r>
-            <a:r>
-              <a:rPr lang="en-US" dirty="0" smtClean="0"/>
-              <a:t>” </a:t>
+              <a:t>Download “TPTP all-in-one package” </a:t>
             </a:r>
             <a:endParaRPr lang="en-US" dirty="0"/>
           </a:p>

--- a/papers/DRCPA/docs/PerfTest - Setup (TPTP).pptx
+++ b/papers/DRCPA/docs/PerfTest - Setup (TPTP).pptx
@@ -1,6 +1,6 @@
 
 <file path=ppt/presentation.xml><?xml version="1.0" encoding="utf-8"?>
-<p:presentation xmlns:a="http://schemas.openxmlformats.org/drawingml/2006/main" xmlns:r="http://schemas.openxmlformats.org/officeDocument/2006/relationships" xmlns:p="http://schemas.openxmlformats.org/presentationml/2006/main" saveSubsetFonts="1">
+<p:presentation xmlns:a="http://schemas.openxmlformats.org/drawingml/2006/main" xmlns:r="http://schemas.openxmlformats.org/officeDocument/2006/relationships" xmlns:mc="http://schemas.openxmlformats.org/markup-compatibility/2006" xmlns:mv="urn:schemas-microsoft-com:mac:vml" xmlns:p="http://schemas.openxmlformats.org/presentationml/2006/main" mc:Ignorable="mv" mc:PreserveAttributes="mv:*" saveSubsetFonts="1">
   <p:sldMasterIdLst>
     <p:sldMasterId id="2147483648" r:id="rId1"/>
   </p:sldMasterIdLst>
@@ -9,15 +9,14 @@
     <p:sldId id="280" r:id="rId3"/>
     <p:sldId id="283" r:id="rId4"/>
     <p:sldId id="276" r:id="rId5"/>
-    <p:sldId id="281" r:id="rId6"/>
-    <p:sldId id="282" r:id="rId7"/>
+    <p:sldId id="282" r:id="rId6"/>
+    <p:sldId id="281" r:id="rId7"/>
     <p:sldId id="284" r:id="rId8"/>
     <p:sldId id="285" r:id="rId9"/>
     <p:sldId id="286" r:id="rId10"/>
-    <p:sldId id="287" r:id="rId11"/>
-    <p:sldId id="289" r:id="rId12"/>
-    <p:sldId id="288" r:id="rId13"/>
-    <p:sldId id="290" r:id="rId14"/>
+    <p:sldId id="289" r:id="rId11"/>
+    <p:sldId id="288" r:id="rId12"/>
+    <p:sldId id="290" r:id="rId13"/>
   </p:sldIdLst>
   <p:sldSz cx="9144000" cy="6858000" type="screen4x3"/>
   <p:notesSz cx="6858000" cy="9144000"/>
@@ -120,7 +119,7 @@
 </file>
 
 <file path=ppt/slideLayouts/slideLayout1.xml><?xml version="1.0" encoding="utf-8"?>
-<p:sldLayout xmlns:a="http://schemas.openxmlformats.org/drawingml/2006/main" xmlns:r="http://schemas.openxmlformats.org/officeDocument/2006/relationships" xmlns:p="http://schemas.openxmlformats.org/presentationml/2006/main" type="title" preserve="1">
+<p:sldLayout xmlns:a="http://schemas.openxmlformats.org/drawingml/2006/main" xmlns:r="http://schemas.openxmlformats.org/officeDocument/2006/relationships" xmlns:mc="http://schemas.openxmlformats.org/markup-compatibility/2006" xmlns:mv="urn:schemas-microsoft-com:mac:vml" xmlns:p="http://schemas.openxmlformats.org/presentationml/2006/main" mc:Ignorable="mv" mc:PreserveAttributes="mv:*" type="title" preserve="1">
   <p:cSld name="Title Slide">
     <p:bg>
       <p:bgRef idx="1002">
@@ -306,7 +305,7 @@
             <a:fld id="{C60591B3-B4ED-4C31-8AEF-63EEC6A32F51}" type="datetimeFigureOut">
               <a:rPr lang="en-US" smtClean="0"/>
               <a:pPr/>
-              <a:t>9/21/2009</a:t>
+              <a:t>9/22/09</a:t>
             </a:fld>
             <a:endParaRPr lang="en-US"/>
           </a:p>
@@ -364,7 +363,7 @@
 </file>
 
 <file path=ppt/slideLayouts/slideLayout10.xml><?xml version="1.0" encoding="utf-8"?>
-<p:sldLayout xmlns:a="http://schemas.openxmlformats.org/drawingml/2006/main" xmlns:r="http://schemas.openxmlformats.org/officeDocument/2006/relationships" xmlns:p="http://schemas.openxmlformats.org/presentationml/2006/main" type="vertTx" preserve="1">
+<p:sldLayout xmlns:a="http://schemas.openxmlformats.org/drawingml/2006/main" xmlns:r="http://schemas.openxmlformats.org/officeDocument/2006/relationships" xmlns:mc="http://schemas.openxmlformats.org/markup-compatibility/2006" xmlns:mv="urn:schemas-microsoft-com:mac:vml" xmlns:p="http://schemas.openxmlformats.org/presentationml/2006/main" mc:Ignorable="mv" mc:PreserveAttributes="mv:*" type="vertTx" preserve="1">
   <p:cSld name="Title and Vertical Text">
     <p:spTree>
       <p:nvGrpSpPr>
@@ -473,7 +472,7 @@
             <a:fld id="{C60591B3-B4ED-4C31-8AEF-63EEC6A32F51}" type="datetimeFigureOut">
               <a:rPr lang="en-US" smtClean="0"/>
               <a:pPr/>
-              <a:t>9/21/2009</a:t>
+              <a:t>9/22/09</a:t>
             </a:fld>
             <a:endParaRPr lang="en-US"/>
           </a:p>
@@ -531,7 +530,7 @@
 </file>
 
 <file path=ppt/slideLayouts/slideLayout11.xml><?xml version="1.0" encoding="utf-8"?>
-<p:sldLayout xmlns:a="http://schemas.openxmlformats.org/drawingml/2006/main" xmlns:r="http://schemas.openxmlformats.org/officeDocument/2006/relationships" xmlns:p="http://schemas.openxmlformats.org/presentationml/2006/main" type="vertTitleAndTx" preserve="1">
+<p:sldLayout xmlns:a="http://schemas.openxmlformats.org/drawingml/2006/main" xmlns:r="http://schemas.openxmlformats.org/officeDocument/2006/relationships" xmlns:mc="http://schemas.openxmlformats.org/markup-compatibility/2006" xmlns:mv="urn:schemas-microsoft-com:mac:vml" xmlns:p="http://schemas.openxmlformats.org/presentationml/2006/main" mc:Ignorable="mv" mc:PreserveAttributes="mv:*" type="vertTitleAndTx" preserve="1">
   <p:cSld name="Vertical Title and Text">
     <p:spTree>
       <p:nvGrpSpPr>
@@ -650,7 +649,7 @@
             <a:fld id="{C60591B3-B4ED-4C31-8AEF-63EEC6A32F51}" type="datetimeFigureOut">
               <a:rPr lang="en-US" smtClean="0"/>
               <a:pPr/>
-              <a:t>9/21/2009</a:t>
+              <a:t>9/22/09</a:t>
             </a:fld>
             <a:endParaRPr lang="en-US"/>
           </a:p>
@@ -708,7 +707,7 @@
 </file>
 
 <file path=ppt/slideLayouts/slideLayout2.xml><?xml version="1.0" encoding="utf-8"?>
-<p:sldLayout xmlns:a="http://schemas.openxmlformats.org/drawingml/2006/main" xmlns:r="http://schemas.openxmlformats.org/officeDocument/2006/relationships" xmlns:p="http://schemas.openxmlformats.org/presentationml/2006/main" type="obj" preserve="1">
+<p:sldLayout xmlns:a="http://schemas.openxmlformats.org/drawingml/2006/main" xmlns:r="http://schemas.openxmlformats.org/officeDocument/2006/relationships" xmlns:mc="http://schemas.openxmlformats.org/markup-compatibility/2006" xmlns:mv="urn:schemas-microsoft-com:mac:vml" xmlns:p="http://schemas.openxmlformats.org/presentationml/2006/main" mc:Ignorable="mv" mc:PreserveAttributes="mv:*" type="obj" preserve="1">
   <p:cSld name="Title and Content">
     <p:spTree>
       <p:nvGrpSpPr>
@@ -817,7 +816,7 @@
             <a:fld id="{C60591B3-B4ED-4C31-8AEF-63EEC6A32F51}" type="datetimeFigureOut">
               <a:rPr lang="en-US" smtClean="0"/>
               <a:pPr/>
-              <a:t>9/21/2009</a:t>
+              <a:t>9/22/09</a:t>
             </a:fld>
             <a:endParaRPr lang="en-US"/>
           </a:p>
@@ -875,7 +874,7 @@
 </file>
 
 <file path=ppt/slideLayouts/slideLayout3.xml><?xml version="1.0" encoding="utf-8"?>
-<p:sldLayout xmlns:a="http://schemas.openxmlformats.org/drawingml/2006/main" xmlns:r="http://schemas.openxmlformats.org/officeDocument/2006/relationships" xmlns:p="http://schemas.openxmlformats.org/presentationml/2006/main" type="secHead" preserve="1">
+<p:sldLayout xmlns:a="http://schemas.openxmlformats.org/drawingml/2006/main" xmlns:r="http://schemas.openxmlformats.org/officeDocument/2006/relationships" xmlns:mc="http://schemas.openxmlformats.org/markup-compatibility/2006" xmlns:mv="urn:schemas-microsoft-com:mac:vml" xmlns:p="http://schemas.openxmlformats.org/presentationml/2006/main" mc:Ignorable="mv" mc:PreserveAttributes="mv:*" type="secHead" preserve="1">
   <p:cSld name="Section Header">
     <p:bg>
       <p:bgRef idx="1002">
@@ -1065,7 +1064,7 @@
             <a:fld id="{C60591B3-B4ED-4C31-8AEF-63EEC6A32F51}" type="datetimeFigureOut">
               <a:rPr lang="en-US" smtClean="0"/>
               <a:pPr/>
-              <a:t>9/21/2009</a:t>
+              <a:t>9/22/09</a:t>
             </a:fld>
             <a:endParaRPr lang="en-US"/>
           </a:p>
@@ -1123,7 +1122,7 @@
 </file>
 
 <file path=ppt/slideLayouts/slideLayout4.xml><?xml version="1.0" encoding="utf-8"?>
-<p:sldLayout xmlns:a="http://schemas.openxmlformats.org/drawingml/2006/main" xmlns:r="http://schemas.openxmlformats.org/officeDocument/2006/relationships" xmlns:p="http://schemas.openxmlformats.org/presentationml/2006/main" type="twoObj" preserve="1">
+<p:sldLayout xmlns:a="http://schemas.openxmlformats.org/drawingml/2006/main" xmlns:r="http://schemas.openxmlformats.org/officeDocument/2006/relationships" xmlns:mc="http://schemas.openxmlformats.org/markup-compatibility/2006" xmlns:mv="urn:schemas-microsoft-com:mac:vml" xmlns:p="http://schemas.openxmlformats.org/presentationml/2006/main" mc:Ignorable="mv" mc:PreserveAttributes="mv:*" type="twoObj" preserve="1">
   <p:cSld name="Two Content">
     <p:spTree>
       <p:nvGrpSpPr>
@@ -1350,7 +1349,7 @@
             <a:fld id="{C60591B3-B4ED-4C31-8AEF-63EEC6A32F51}" type="datetimeFigureOut">
               <a:rPr lang="en-US" smtClean="0"/>
               <a:pPr/>
-              <a:t>9/21/2009</a:t>
+              <a:t>9/22/09</a:t>
             </a:fld>
             <a:endParaRPr lang="en-US"/>
           </a:p>
@@ -1408,7 +1407,7 @@
 </file>
 
 <file path=ppt/slideLayouts/slideLayout5.xml><?xml version="1.0" encoding="utf-8"?>
-<p:sldLayout xmlns:a="http://schemas.openxmlformats.org/drawingml/2006/main" xmlns:r="http://schemas.openxmlformats.org/officeDocument/2006/relationships" xmlns:p="http://schemas.openxmlformats.org/presentationml/2006/main" type="twoTxTwoObj" preserve="1">
+<p:sldLayout xmlns:a="http://schemas.openxmlformats.org/drawingml/2006/main" xmlns:r="http://schemas.openxmlformats.org/officeDocument/2006/relationships" xmlns:mc="http://schemas.openxmlformats.org/markup-compatibility/2006" xmlns:mv="urn:schemas-microsoft-com:mac:vml" xmlns:p="http://schemas.openxmlformats.org/presentationml/2006/main" mc:Ignorable="mv" mc:PreserveAttributes="mv:*" type="twoTxTwoObj" preserve="1">
   <p:cSld name="Comparison">
     <p:spTree>
       <p:nvGrpSpPr>
@@ -1769,7 +1768,7 @@
             <a:fld id="{C60591B3-B4ED-4C31-8AEF-63EEC6A32F51}" type="datetimeFigureOut">
               <a:rPr lang="en-US" smtClean="0"/>
               <a:pPr/>
-              <a:t>9/21/2009</a:t>
+              <a:t>9/22/09</a:t>
             </a:fld>
             <a:endParaRPr lang="en-US"/>
           </a:p>
@@ -1827,7 +1826,7 @@
 </file>
 
 <file path=ppt/slideLayouts/slideLayout6.xml><?xml version="1.0" encoding="utf-8"?>
-<p:sldLayout xmlns:a="http://schemas.openxmlformats.org/drawingml/2006/main" xmlns:r="http://schemas.openxmlformats.org/officeDocument/2006/relationships" xmlns:p="http://schemas.openxmlformats.org/presentationml/2006/main" type="titleOnly" preserve="1">
+<p:sldLayout xmlns:a="http://schemas.openxmlformats.org/drawingml/2006/main" xmlns:r="http://schemas.openxmlformats.org/officeDocument/2006/relationships" xmlns:mc="http://schemas.openxmlformats.org/markup-compatibility/2006" xmlns:mv="urn:schemas-microsoft-com:mac:vml" xmlns:p="http://schemas.openxmlformats.org/presentationml/2006/main" mc:Ignorable="mv" mc:PreserveAttributes="mv:*" type="titleOnly" preserve="1">
   <p:cSld name="Title Only">
     <p:spTree>
       <p:nvGrpSpPr>
@@ -1884,7 +1883,7 @@
             <a:fld id="{C60591B3-B4ED-4C31-8AEF-63EEC6A32F51}" type="datetimeFigureOut">
               <a:rPr lang="en-US" smtClean="0"/>
               <a:pPr/>
-              <a:t>9/21/2009</a:t>
+              <a:t>9/22/09</a:t>
             </a:fld>
             <a:endParaRPr lang="en-US"/>
           </a:p>
@@ -1942,7 +1941,7 @@
 </file>
 
 <file path=ppt/slideLayouts/slideLayout7.xml><?xml version="1.0" encoding="utf-8"?>
-<p:sldLayout xmlns:a="http://schemas.openxmlformats.org/drawingml/2006/main" xmlns:r="http://schemas.openxmlformats.org/officeDocument/2006/relationships" xmlns:p="http://schemas.openxmlformats.org/presentationml/2006/main" type="blank" preserve="1">
+<p:sldLayout xmlns:a="http://schemas.openxmlformats.org/drawingml/2006/main" xmlns:r="http://schemas.openxmlformats.org/officeDocument/2006/relationships" xmlns:mc="http://schemas.openxmlformats.org/markup-compatibility/2006" xmlns:mv="urn:schemas-microsoft-com:mac:vml" xmlns:p="http://schemas.openxmlformats.org/presentationml/2006/main" mc:Ignorable="mv" mc:PreserveAttributes="mv:*" type="blank" preserve="1">
   <p:cSld name="Blank">
     <p:spTree>
       <p:nvGrpSpPr>
@@ -1976,7 +1975,7 @@
             <a:fld id="{C60591B3-B4ED-4C31-8AEF-63EEC6A32F51}" type="datetimeFigureOut">
               <a:rPr lang="en-US" smtClean="0"/>
               <a:pPr/>
-              <a:t>9/21/2009</a:t>
+              <a:t>9/22/09</a:t>
             </a:fld>
             <a:endParaRPr lang="en-US"/>
           </a:p>
@@ -2034,7 +2033,7 @@
 </file>
 
 <file path=ppt/slideLayouts/slideLayout8.xml><?xml version="1.0" encoding="utf-8"?>
-<p:sldLayout xmlns:a="http://schemas.openxmlformats.org/drawingml/2006/main" xmlns:r="http://schemas.openxmlformats.org/officeDocument/2006/relationships" xmlns:p="http://schemas.openxmlformats.org/presentationml/2006/main" type="objTx" preserve="1">
+<p:sldLayout xmlns:a="http://schemas.openxmlformats.org/drawingml/2006/main" xmlns:r="http://schemas.openxmlformats.org/officeDocument/2006/relationships" xmlns:mc="http://schemas.openxmlformats.org/markup-compatibility/2006" xmlns:mv="urn:schemas-microsoft-com:mac:vml" xmlns:p="http://schemas.openxmlformats.org/presentationml/2006/main" mc:Ignorable="mv" mc:PreserveAttributes="mv:*" type="objTx" preserve="1">
   <p:cSld name="Content with Caption">
     <p:spTree>
       <p:nvGrpSpPr>
@@ -2250,7 +2249,7 @@
             <a:fld id="{C60591B3-B4ED-4C31-8AEF-63EEC6A32F51}" type="datetimeFigureOut">
               <a:rPr lang="en-US" smtClean="0"/>
               <a:pPr/>
-              <a:t>9/21/2009</a:t>
+              <a:t>9/22/09</a:t>
             </a:fld>
             <a:endParaRPr lang="en-US"/>
           </a:p>
@@ -2308,7 +2307,7 @@
 </file>
 
 <file path=ppt/slideLayouts/slideLayout9.xml><?xml version="1.0" encoding="utf-8"?>
-<p:sldLayout xmlns:a="http://schemas.openxmlformats.org/drawingml/2006/main" xmlns:r="http://schemas.openxmlformats.org/officeDocument/2006/relationships" xmlns:p="http://schemas.openxmlformats.org/presentationml/2006/main" type="picTx" preserve="1">
+<p:sldLayout xmlns:a="http://schemas.openxmlformats.org/drawingml/2006/main" xmlns:r="http://schemas.openxmlformats.org/officeDocument/2006/relationships" xmlns:mc="http://schemas.openxmlformats.org/markup-compatibility/2006" xmlns:mv="urn:schemas-microsoft-com:mac:vml" xmlns:p="http://schemas.openxmlformats.org/presentationml/2006/main" mc:Ignorable="mv" mc:PreserveAttributes="mv:*" type="picTx" preserve="1">
   <p:cSld name="Picture with Caption">
     <p:spTree>
       <p:nvGrpSpPr>
@@ -2500,7 +2499,7 @@
             <a:fld id="{C60591B3-B4ED-4C31-8AEF-63EEC6A32F51}" type="datetimeFigureOut">
               <a:rPr lang="en-US" smtClean="0"/>
               <a:pPr/>
-              <a:t>9/21/2009</a:t>
+              <a:t>9/22/09</a:t>
             </a:fld>
             <a:endParaRPr lang="en-US"/>
           </a:p>
@@ -2558,7 +2557,7 @@
 </file>
 
 <file path=ppt/slideMasters/slideMaster1.xml><?xml version="1.0" encoding="utf-8"?>
-<p:sldMaster xmlns:a="http://schemas.openxmlformats.org/drawingml/2006/main" xmlns:r="http://schemas.openxmlformats.org/officeDocument/2006/relationships" xmlns:p="http://schemas.openxmlformats.org/presentationml/2006/main">
+<p:sldMaster xmlns:a="http://schemas.openxmlformats.org/drawingml/2006/main" xmlns:r="http://schemas.openxmlformats.org/officeDocument/2006/relationships" xmlns:mc="http://schemas.openxmlformats.org/markup-compatibility/2006" xmlns:mv="urn:schemas-microsoft-com:mac:vml" xmlns:p="http://schemas.openxmlformats.org/presentationml/2006/main" mc:Ignorable="mv" mc:PreserveAttributes="mv:*">
   <p:cSld>
     <p:bg>
       <p:bgRef idx="1001">
@@ -2710,7 +2709,7 @@
             <a:fld id="{C60591B3-B4ED-4C31-8AEF-63EEC6A32F51}" type="datetimeFigureOut">
               <a:rPr lang="en-US" smtClean="0"/>
               <a:pPr/>
-              <a:t>9/21/2009</a:t>
+              <a:t>9/22/09</a:t>
             </a:fld>
             <a:endParaRPr lang="en-US"/>
           </a:p>
@@ -3065,7 +3064,7 @@
 </file>
 
 <file path=ppt/slides/slide1.xml><?xml version="1.0" encoding="utf-8"?>
-<p:sld xmlns:a="http://schemas.openxmlformats.org/drawingml/2006/main" xmlns:r="http://schemas.openxmlformats.org/officeDocument/2006/relationships" xmlns:p="http://schemas.openxmlformats.org/presentationml/2006/main">
+<p:sld xmlns:a="http://schemas.openxmlformats.org/drawingml/2006/main" xmlns:r="http://schemas.openxmlformats.org/officeDocument/2006/relationships" xmlns:mc="http://schemas.openxmlformats.org/markup-compatibility/2006" xmlns:mv="urn:schemas-microsoft-com:mac:vml" xmlns:p="http://schemas.openxmlformats.org/presentationml/2006/main" mc:Ignorable="mv" mc:PreserveAttributes="mv:*">
   <p:cSld>
     <p:spTree>
       <p:nvGrpSpPr>
@@ -3191,7 +3190,7 @@
 </file>
 
 <file path=ppt/slides/slide10.xml><?xml version="1.0" encoding="utf-8"?>
-<p:sld xmlns:a="http://schemas.openxmlformats.org/drawingml/2006/main" xmlns:r="http://schemas.openxmlformats.org/officeDocument/2006/relationships" xmlns:p="http://schemas.openxmlformats.org/presentationml/2006/main">
+<p:sld xmlns:a="http://schemas.openxmlformats.org/drawingml/2006/main" xmlns:r="http://schemas.openxmlformats.org/officeDocument/2006/relationships" xmlns:mc="http://schemas.openxmlformats.org/markup-compatibility/2006" xmlns:mv="urn:schemas-microsoft-com:mac:vml" xmlns:p="http://schemas.openxmlformats.org/presentationml/2006/main" mc:Ignorable="mv" mc:PreserveAttributes="mv:*">
   <p:cSld>
     <p:spTree>
       <p:nvGrpSpPr>
@@ -3209,7 +3208,7 @@
       </p:grpSpPr>
       <p:sp>
         <p:nvSpPr>
-          <p:cNvPr id="2" name="Title 1"/>
+          <p:cNvPr id="4" name="Title 3"/>
           <p:cNvSpPr>
             <a:spLocks noGrp="1"/>
           </p:cNvSpPr>
@@ -3224,7 +3223,7 @@
           <a:p>
             <a:r>
               <a:rPr lang="en-US" dirty="0" smtClean="0"/>
-              <a:t>Create profile</a:t>
+              <a:t>Trouble Shooting</a:t>
             </a:r>
             <a:endParaRPr lang="en-US" dirty="0"/>
           </a:p>
@@ -3232,20 +3231,20 @@
       </p:sp>
       <p:sp>
         <p:nvSpPr>
-          <p:cNvPr id="3" name="Content Placeholder 2"/>
-          <p:cNvSpPr>
-            <a:spLocks noGrp="1"/>
-          </p:cNvSpPr>
-          <p:nvPr>
-            <p:ph idx="1"/>
-          </p:nvPr>
-        </p:nvSpPr>
-        <p:spPr/>
-        <p:txBody>
-          <a:bodyPr/>
-          <a:lstStyle/>
-          <a:p>
-            <a:endParaRPr lang="en-US" dirty="0"/>
+          <p:cNvPr id="5" name="Text Placeholder 4"/>
+          <p:cNvSpPr>
+            <a:spLocks noGrp="1"/>
+          </p:cNvSpPr>
+          <p:nvPr>
+            <p:ph type="body" idx="1"/>
+          </p:nvPr>
+        </p:nvSpPr>
+        <p:spPr/>
+        <p:txBody>
+          <a:bodyPr/>
+          <a:lstStyle/>
+          <a:p>
+            <a:endParaRPr lang="en-US"/>
           </a:p>
         </p:txBody>
       </p:sp>
@@ -3258,7 +3257,7 @@
 </file>
 
 <file path=ppt/slides/slide11.xml><?xml version="1.0" encoding="utf-8"?>
-<p:sld xmlns:a="http://schemas.openxmlformats.org/drawingml/2006/main" xmlns:r="http://schemas.openxmlformats.org/officeDocument/2006/relationships" xmlns:p="http://schemas.openxmlformats.org/presentationml/2006/main">
+<p:sld xmlns:a="http://schemas.openxmlformats.org/drawingml/2006/main" xmlns:r="http://schemas.openxmlformats.org/officeDocument/2006/relationships" xmlns:mc="http://schemas.openxmlformats.org/markup-compatibility/2006" xmlns:mv="urn:schemas-microsoft-com:mac:vml" xmlns:p="http://schemas.openxmlformats.org/presentationml/2006/main" mc:Ignorable="mv" mc:PreserveAttributes="mv:*">
   <p:cSld>
     <p:spTree>
       <p:nvGrpSpPr>
@@ -3276,73 +3275,6 @@
       </p:grpSpPr>
       <p:sp>
         <p:nvSpPr>
-          <p:cNvPr id="4" name="Title 3"/>
-          <p:cNvSpPr>
-            <a:spLocks noGrp="1"/>
-          </p:cNvSpPr>
-          <p:nvPr>
-            <p:ph type="title"/>
-          </p:nvPr>
-        </p:nvSpPr>
-        <p:spPr/>
-        <p:txBody>
-          <a:bodyPr/>
-          <a:lstStyle/>
-          <a:p>
-            <a:r>
-              <a:rPr lang="en-US" dirty="0" smtClean="0"/>
-              <a:t>Trouble Shooting</a:t>
-            </a:r>
-            <a:endParaRPr lang="en-US" dirty="0"/>
-          </a:p>
-        </p:txBody>
-      </p:sp>
-      <p:sp>
-        <p:nvSpPr>
-          <p:cNvPr id="5" name="Text Placeholder 4"/>
-          <p:cNvSpPr>
-            <a:spLocks noGrp="1"/>
-          </p:cNvSpPr>
-          <p:nvPr>
-            <p:ph type="body" idx="1"/>
-          </p:nvPr>
-        </p:nvSpPr>
-        <p:spPr/>
-        <p:txBody>
-          <a:bodyPr/>
-          <a:lstStyle/>
-          <a:p>
-            <a:endParaRPr lang="en-US"/>
-          </a:p>
-        </p:txBody>
-      </p:sp>
-    </p:spTree>
-  </p:cSld>
-  <p:clrMapOvr>
-    <a:masterClrMapping/>
-  </p:clrMapOvr>
-</p:sld>
-</file>
-
-<file path=ppt/slides/slide12.xml><?xml version="1.0" encoding="utf-8"?>
-<p:sld xmlns:a="http://schemas.openxmlformats.org/drawingml/2006/main" xmlns:r="http://schemas.openxmlformats.org/officeDocument/2006/relationships" xmlns:p="http://schemas.openxmlformats.org/presentationml/2006/main">
-  <p:cSld>
-    <p:spTree>
-      <p:nvGrpSpPr>
-        <p:cNvPr id="1" name=""/>
-        <p:cNvGrpSpPr/>
-        <p:nvPr/>
-      </p:nvGrpSpPr>
-      <p:grpSpPr>
-        <a:xfrm>
-          <a:off x="0" y="0"/>
-          <a:ext cx="0" cy="0"/>
-          <a:chOff x="0" y="0"/>
-          <a:chExt cx="0" cy="0"/>
-        </a:xfrm>
-      </p:grpSpPr>
-      <p:sp>
-        <p:nvSpPr>
           <p:cNvPr id="2" name="Title 1"/>
           <p:cNvSpPr>
             <a:spLocks noGrp="1"/>
@@ -3378,13 +3310,15 @@
         </p:nvSpPr>
         <p:spPr/>
         <p:txBody>
-          <a:bodyPr/>
-          <a:lstStyle/>
-          <a:p>
-            <a:r>
-              <a:rPr lang="en-US" dirty="0" smtClean="0"/>
-              <a:t>IWAT0284E</a:t>
-            </a:r>
+          <a:bodyPr>
+            <a:normAutofit lnSpcReduction="10000"/>
+          </a:bodyPr>
+          <a:lstStyle/>
+          <a:p>
+            <a:endParaRPr lang="en-US" dirty="0" smtClean="0"/>
+          </a:p>
+          <a:p>
+            <a:endParaRPr lang="en-US" dirty="0" smtClean="0"/>
           </a:p>
           <a:p>
             <a:endParaRPr lang="en-US" dirty="0" smtClean="0"/>
@@ -3424,7 +3358,7 @@
         </p:blipFill>
         <p:spPr bwMode="auto">
           <a:xfrm>
-            <a:off x="3124200" y="1752600"/>
+            <a:off x="2667000" y="1828800"/>
             <a:ext cx="4219575" cy="2581275"/>
           </a:xfrm>
           <a:prstGeom prst="rect">
@@ -3447,8 +3381,8 @@
 </p:sld>
 </file>
 
-<file path=ppt/slides/slide13.xml><?xml version="1.0" encoding="utf-8"?>
-<p:sld xmlns:a="http://schemas.openxmlformats.org/drawingml/2006/main" xmlns:r="http://schemas.openxmlformats.org/officeDocument/2006/relationships" xmlns:p="http://schemas.openxmlformats.org/presentationml/2006/main">
+<file path=ppt/slides/slide12.xml><?xml version="1.0" encoding="utf-8"?>
+<p:sld xmlns:a="http://schemas.openxmlformats.org/drawingml/2006/main" xmlns:r="http://schemas.openxmlformats.org/officeDocument/2006/relationships" xmlns:mc="http://schemas.openxmlformats.org/markup-compatibility/2006" xmlns:mv="urn:schemas-microsoft-com:mac:vml" xmlns:p="http://schemas.openxmlformats.org/presentationml/2006/main" mc:Ignorable="mv" mc:PreserveAttributes="mv:*">
   <p:cSld>
     <p:spTree>
       <p:nvGrpSpPr>
@@ -3515,7 +3449,7 @@
 </file>
 
 <file path=ppt/slides/slide2.xml><?xml version="1.0" encoding="utf-8"?>
-<p:sld xmlns:a="http://schemas.openxmlformats.org/drawingml/2006/main" xmlns:r="http://schemas.openxmlformats.org/officeDocument/2006/relationships" xmlns:p="http://schemas.openxmlformats.org/presentationml/2006/main">
+<p:sld xmlns:a="http://schemas.openxmlformats.org/drawingml/2006/main" xmlns:r="http://schemas.openxmlformats.org/officeDocument/2006/relationships" xmlns:mc="http://schemas.openxmlformats.org/markup-compatibility/2006" xmlns:mv="urn:schemas-microsoft-com:mac:vml" xmlns:p="http://schemas.openxmlformats.org/presentationml/2006/main" mc:Ignorable="mv" mc:PreserveAttributes="mv:*">
   <p:cSld>
     <p:spTree>
       <p:nvGrpSpPr>
@@ -3593,7 +3527,7 @@
 </file>
 
 <file path=ppt/slides/slide3.xml><?xml version="1.0" encoding="utf-8"?>
-<p:sld xmlns:a="http://schemas.openxmlformats.org/drawingml/2006/main" xmlns:r="http://schemas.openxmlformats.org/officeDocument/2006/relationships" xmlns:p="http://schemas.openxmlformats.org/presentationml/2006/main">
+<p:sld xmlns:a="http://schemas.openxmlformats.org/drawingml/2006/main" xmlns:r="http://schemas.openxmlformats.org/officeDocument/2006/relationships" xmlns:mc="http://schemas.openxmlformats.org/markup-compatibility/2006" xmlns:mv="urn:schemas-microsoft-com:mac:vml" xmlns:p="http://schemas.openxmlformats.org/presentationml/2006/main" mc:Ignorable="mv" mc:PreserveAttributes="mv:*">
   <p:cSld>
     <p:spTree>
       <p:nvGrpSpPr>
@@ -3649,36 +3583,45 @@
           <a:p>
             <a:r>
               <a:rPr lang="en-US" dirty="0" smtClean="0"/>
-              <a:t>IBM Rational Agent Controller (</a:t>
-            </a:r>
-            <a:r>
-              <a:rPr lang="en-US" dirty="0" err="1" smtClean="0"/>
-              <a:t>a.k.a</a:t>
+              <a:t>Integrated </a:t>
             </a:r>
             <a:r>
               <a:rPr lang="en-US" dirty="0" smtClean="0"/>
-              <a:t> Integrated Agent Controller)</a:t>
+              <a:t>Agent </a:t>
+            </a:r>
+            <a:r>
+              <a:rPr lang="en-US" dirty="0" smtClean="0"/>
+              <a:t>Controller</a:t>
             </a:r>
           </a:p>
           <a:p>
             <a:pPr lvl="1"/>
             <a:r>
               <a:rPr lang="en-US" dirty="0" smtClean="0"/>
-              <a:t>ACWinService.exe</a:t>
-            </a:r>
+              <a:t>Included in TPTP</a:t>
+            </a:r>
+          </a:p>
+          <a:p>
+            <a:pPr lvl="1"/>
+            <a:r>
+              <a:rPr lang="en-US" dirty="0" smtClean="0"/>
+              <a:t>Included in RPT</a:t>
+            </a:r>
+          </a:p>
+          <a:p>
+            <a:pPr lvl="1"/>
+            <a:endParaRPr lang="en-US" dirty="0" smtClean="0"/>
           </a:p>
           <a:p>
             <a:r>
               <a:rPr lang="en-US" b="1" dirty="0" smtClean="0"/>
-              <a:t>Standalone Agent Controller </a:t>
-            </a:r>
-          </a:p>
-          <a:p>
-            <a:pPr lvl="1"/>
-            <a:r>
-              <a:rPr lang="en-US" dirty="0" smtClean="0"/>
-              <a:t>ACService.exe</a:t>
-            </a:r>
+              <a:t>Standalone Agent Controller</a:t>
+            </a:r>
+            <a:r>
+              <a:rPr lang="en-US" b="1" dirty="0" smtClean="0"/>
+              <a:t> </a:t>
+            </a:r>
+            <a:endParaRPr lang="en-US" dirty="0" smtClean="0"/>
           </a:p>
           <a:p>
             <a:endParaRPr lang="en-US" dirty="0"/>
@@ -3694,7 +3637,7 @@
 </file>
 
 <file path=ppt/slides/slide4.xml><?xml version="1.0" encoding="utf-8"?>
-<p:sld xmlns:a="http://schemas.openxmlformats.org/drawingml/2006/main" xmlns:r="http://schemas.openxmlformats.org/officeDocument/2006/relationships" xmlns:p="http://schemas.openxmlformats.org/presentationml/2006/main">
+<p:sld xmlns:a="http://schemas.openxmlformats.org/drawingml/2006/main" xmlns:r="http://schemas.openxmlformats.org/officeDocument/2006/relationships" xmlns:mc="http://schemas.openxmlformats.org/markup-compatibility/2006" xmlns:mv="urn:schemas-microsoft-com:mac:vml" xmlns:p="http://schemas.openxmlformats.org/presentationml/2006/main" mc:Ignorable="mv" mc:PreserveAttributes="mv:*">
   <p:cSld>
     <p:spTree>
       <p:nvGrpSpPr>
@@ -3775,145 +3718,7 @@
 </file>
 
 <file path=ppt/slides/slide5.xml><?xml version="1.0" encoding="utf-8"?>
-<p:sld xmlns:a="http://schemas.openxmlformats.org/drawingml/2006/main" xmlns:r="http://schemas.openxmlformats.org/officeDocument/2006/relationships" xmlns:p="http://schemas.openxmlformats.org/presentationml/2006/main">
-  <p:cSld>
-    <p:spTree>
-      <p:nvGrpSpPr>
-        <p:cNvPr id="1" name=""/>
-        <p:cNvGrpSpPr/>
-        <p:nvPr/>
-      </p:nvGrpSpPr>
-      <p:grpSpPr>
-        <a:xfrm>
-          <a:off x="0" y="0"/>
-          <a:ext cx="0" cy="0"/>
-          <a:chOff x="0" y="0"/>
-          <a:chExt cx="0" cy="0"/>
-        </a:xfrm>
-      </p:grpSpPr>
-      <p:sp>
-        <p:nvSpPr>
-          <p:cNvPr id="2" name="Title 1"/>
-          <p:cNvSpPr>
-            <a:spLocks noGrp="1"/>
-          </p:cNvSpPr>
-          <p:nvPr>
-            <p:ph type="title"/>
-          </p:nvPr>
-        </p:nvSpPr>
-        <p:spPr/>
-        <p:txBody>
-          <a:bodyPr/>
-          <a:lstStyle/>
-          <a:p>
-            <a:r>
-              <a:rPr lang="en-US" dirty="0" smtClean="0"/>
-              <a:t>Configure Environment Variables</a:t>
-            </a:r>
-            <a:endParaRPr lang="en-US" dirty="0"/>
-          </a:p>
-        </p:txBody>
-      </p:sp>
-      <p:sp>
-        <p:nvSpPr>
-          <p:cNvPr id="3" name="Content Placeholder 2"/>
-          <p:cNvSpPr>
-            <a:spLocks noGrp="1"/>
-          </p:cNvSpPr>
-          <p:nvPr>
-            <p:ph idx="1"/>
-          </p:nvPr>
-        </p:nvSpPr>
-        <p:spPr/>
-        <p:txBody>
-          <a:bodyPr>
-            <a:normAutofit fontScale="92500"/>
-          </a:bodyPr>
-          <a:lstStyle/>
-          <a:p>
-            <a:r>
-              <a:rPr lang="en-US" dirty="0" smtClean="0"/>
-              <a:t>JAVA_HOME=C:\Program </a:t>
-            </a:r>
-            <a:r>
-              <a:rPr lang="en-US" dirty="0" smtClean="0"/>
-              <a:t>Files\Java\</a:t>
-            </a:r>
-            <a:r>
-              <a:rPr lang="en-US" b="1" dirty="0" smtClean="0">
-                <a:solidFill>
-                  <a:srgbClr val="FF0000"/>
-                </a:solidFill>
-              </a:rPr>
-              <a:t>jdk1.5.0_21</a:t>
-            </a:r>
-            <a:endParaRPr lang="en-US" b="1" dirty="0" smtClean="0">
-              <a:solidFill>
-                <a:srgbClr val="FF0000"/>
-              </a:solidFill>
-            </a:endParaRPr>
-          </a:p>
-          <a:p>
-            <a:r>
-              <a:rPr lang="en-US" dirty="0" smtClean="0"/>
-              <a:t>TPTP_AC_HOME = C</a:t>
-            </a:r>
-            <a:r>
-              <a:rPr lang="en-US" dirty="0" smtClean="0"/>
-              <a:t>:\tptpAC</a:t>
-            </a:r>
-            <a:endParaRPr lang="en-US" dirty="0" smtClean="0"/>
-          </a:p>
-          <a:p>
-            <a:r>
-              <a:rPr lang="en-US" dirty="0" smtClean="0"/>
-              <a:t>JAVA_PROPILER_HOME=%TPTP_AC_HOME%\</a:t>
-            </a:r>
-            <a:r>
-              <a:rPr lang="en-US" dirty="0" err="1" smtClean="0"/>
-              <a:t>plugins</a:t>
-            </a:r>
-            <a:r>
-              <a:rPr lang="en-US" dirty="0" smtClean="0"/>
-              <a:t>\</a:t>
-            </a:r>
-            <a:r>
-              <a:rPr lang="en-US" dirty="0" err="1" smtClean="0"/>
-              <a:t>org.eclipse.tptp.javaprofiler</a:t>
-            </a:r>
-            <a:endParaRPr lang="en-US" dirty="0" smtClean="0"/>
-          </a:p>
-          <a:p>
-            <a:r>
-              <a:rPr lang="en-US" dirty="0" smtClean="0"/>
-              <a:t>PATH=%JAVA_PROFILER_HOME%;%PATH%;%TPTP_AC_HOME%\bin</a:t>
-            </a:r>
-          </a:p>
-          <a:p>
-            <a:r>
-              <a:rPr lang="en-US" dirty="0" smtClean="0"/>
-              <a:t>PATH=%PATH%;%JAVA_HOME%\bin</a:t>
-            </a:r>
-          </a:p>
-          <a:p>
-            <a:r>
-              <a:rPr lang="en-US" dirty="0" smtClean="0"/>
-              <a:t>PATH = %TPTP_AC_HOME%\bin</a:t>
-            </a:r>
-            <a:endParaRPr lang="en-US" dirty="0"/>
-          </a:p>
-        </p:txBody>
-      </p:sp>
-    </p:spTree>
-  </p:cSld>
-  <p:clrMapOvr>
-    <a:masterClrMapping/>
-  </p:clrMapOvr>
-</p:sld>
-</file>
-
-<file path=ppt/slides/slide6.xml><?xml version="1.0" encoding="utf-8"?>
-<p:sld xmlns:a="http://schemas.openxmlformats.org/drawingml/2006/main" xmlns:r="http://schemas.openxmlformats.org/officeDocument/2006/relationships" xmlns:p="http://schemas.openxmlformats.org/presentationml/2006/main">
+<p:sld xmlns:a="http://schemas.openxmlformats.org/drawingml/2006/main" xmlns:r="http://schemas.openxmlformats.org/officeDocument/2006/relationships" xmlns:mc="http://schemas.openxmlformats.org/markup-compatibility/2006" xmlns:mv="urn:schemas-microsoft-com:mac:vml" xmlns:p="http://schemas.openxmlformats.org/presentationml/2006/main" mc:Ignorable="mv" mc:PreserveAttributes="mv:*">
   <p:cSld>
     <p:spTree>
       <p:nvGrpSpPr>
@@ -4104,8 +3909,8 @@
 </p:sld>
 </file>
 
-<file path=ppt/slides/slide7.xml><?xml version="1.0" encoding="utf-8"?>
-<p:sld xmlns:a="http://schemas.openxmlformats.org/drawingml/2006/main" xmlns:r="http://schemas.openxmlformats.org/officeDocument/2006/relationships" xmlns:p="http://schemas.openxmlformats.org/presentationml/2006/main">
+<file path=ppt/slides/slide6.xml><?xml version="1.0" encoding="utf-8"?>
+<p:sld xmlns:a="http://schemas.openxmlformats.org/drawingml/2006/main" xmlns:r="http://schemas.openxmlformats.org/officeDocument/2006/relationships" xmlns:mc="http://schemas.openxmlformats.org/markup-compatibility/2006" xmlns:mv="urn:schemas-microsoft-com:mac:vml" xmlns:p="http://schemas.openxmlformats.org/presentationml/2006/main" mc:Ignorable="mv" mc:PreserveAttributes="mv:*">
   <p:cSld>
     <p:spTree>
       <p:nvGrpSpPr>
@@ -4138,6 +3943,159 @@
           <a:p>
             <a:r>
               <a:rPr lang="en-US" dirty="0" smtClean="0"/>
+              <a:t>Configure Environment Variables</a:t>
+            </a:r>
+            <a:endParaRPr lang="en-US" dirty="0"/>
+          </a:p>
+        </p:txBody>
+      </p:sp>
+      <p:sp>
+        <p:nvSpPr>
+          <p:cNvPr id="3" name="Content Placeholder 2"/>
+          <p:cNvSpPr>
+            <a:spLocks noGrp="1"/>
+          </p:cNvSpPr>
+          <p:nvPr>
+            <p:ph idx="1"/>
+          </p:nvPr>
+        </p:nvSpPr>
+        <p:spPr/>
+        <p:txBody>
+          <a:bodyPr>
+            <a:normAutofit fontScale="92500" lnSpcReduction="20000"/>
+          </a:bodyPr>
+          <a:lstStyle/>
+          <a:p>
+            <a:r>
+              <a:rPr lang="en-US" dirty="0" smtClean="0">
+                <a:latin typeface="Courier New"/>
+              </a:rPr>
+              <a:t>JAVA_HOME=C:\Program Files\Java\</a:t>
+            </a:r>
+            <a:r>
+              <a:rPr lang="en-US" b="1" dirty="0" smtClean="0">
+                <a:solidFill>
+                  <a:srgbClr val="FF0000"/>
+                </a:solidFill>
+                <a:latin typeface="Courier New"/>
+              </a:rPr>
+              <a:t>jdk1.5.0_21</a:t>
+            </a:r>
+          </a:p>
+          <a:p>
+            <a:r>
+              <a:rPr lang="en-US" dirty="0" smtClean="0">
+                <a:latin typeface="Courier New"/>
+              </a:rPr>
+              <a:t>TPTP_AC_HOME = C:\tptpAC</a:t>
+            </a:r>
+          </a:p>
+          <a:p>
+            <a:r>
+              <a:rPr lang="en-US" dirty="0" smtClean="0">
+                <a:latin typeface="Courier New"/>
+              </a:rPr>
+              <a:t>JAVA_PROPILER_HOME=%TPTP_AC_HOME%\</a:t>
+            </a:r>
+            <a:r>
+              <a:rPr lang="en-US" dirty="0" err="1" smtClean="0">
+                <a:latin typeface="Courier New"/>
+              </a:rPr>
+              <a:t>plugins</a:t>
+            </a:r>
+            <a:r>
+              <a:rPr lang="en-US" dirty="0" smtClean="0">
+                <a:latin typeface="Courier New"/>
+              </a:rPr>
+              <a:t>\</a:t>
+            </a:r>
+            <a:r>
+              <a:rPr lang="en-US" dirty="0" err="1" smtClean="0">
+                <a:latin typeface="Courier New"/>
+              </a:rPr>
+              <a:t>org.eclipse.tptp.javaprofiler</a:t>
+            </a:r>
+            <a:endParaRPr lang="en-US" dirty="0" smtClean="0">
+              <a:latin typeface="Courier New"/>
+            </a:endParaRPr>
+          </a:p>
+          <a:p>
+            <a:r>
+              <a:rPr lang="en-US" dirty="0" smtClean="0">
+                <a:latin typeface="Courier New"/>
+              </a:rPr>
+              <a:t>PATH=%JAVA_PROFILER_HOME%;%PATH%;%TPTP_AC_HOME%\bin</a:t>
+            </a:r>
+          </a:p>
+          <a:p>
+            <a:r>
+              <a:rPr lang="en-US" dirty="0" smtClean="0">
+                <a:latin typeface="Courier New"/>
+              </a:rPr>
+              <a:t>PATH=%PATH%;%JAVA_HOME%\bin</a:t>
+            </a:r>
+          </a:p>
+          <a:p>
+            <a:r>
+              <a:rPr lang="en-US" dirty="0" smtClean="0">
+                <a:latin typeface="Courier New"/>
+              </a:rPr>
+              <a:t>PATH=%</a:t>
+            </a:r>
+            <a:r>
+              <a:rPr lang="en-US" dirty="0" smtClean="0">
+                <a:latin typeface="Courier New"/>
+              </a:rPr>
+              <a:t>TPTP_AC_HOME%\bin</a:t>
+            </a:r>
+            <a:endParaRPr lang="en-US" dirty="0">
+              <a:latin typeface="Courier New"/>
+            </a:endParaRPr>
+          </a:p>
+        </p:txBody>
+      </p:sp>
+    </p:spTree>
+  </p:cSld>
+  <p:clrMapOvr>
+    <a:masterClrMapping/>
+  </p:clrMapOvr>
+</p:sld>
+</file>
+
+<file path=ppt/slides/slide7.xml><?xml version="1.0" encoding="utf-8"?>
+<p:sld xmlns:a="http://schemas.openxmlformats.org/drawingml/2006/main" xmlns:r="http://schemas.openxmlformats.org/officeDocument/2006/relationships" xmlns:mc="http://schemas.openxmlformats.org/markup-compatibility/2006" xmlns:mv="urn:schemas-microsoft-com:mac:vml" xmlns:p="http://schemas.openxmlformats.org/presentationml/2006/main" mc:Ignorable="mv" mc:PreserveAttributes="mv:*">
+  <p:cSld>
+    <p:spTree>
+      <p:nvGrpSpPr>
+        <p:cNvPr id="1" name=""/>
+        <p:cNvGrpSpPr/>
+        <p:nvPr/>
+      </p:nvGrpSpPr>
+      <p:grpSpPr>
+        <a:xfrm>
+          <a:off x="0" y="0"/>
+          <a:ext cx="0" cy="0"/>
+          <a:chOff x="0" y="0"/>
+          <a:chExt cx="0" cy="0"/>
+        </a:xfrm>
+      </p:grpSpPr>
+      <p:sp>
+        <p:nvSpPr>
+          <p:cNvPr id="2" name="Title 1"/>
+          <p:cNvSpPr>
+            <a:spLocks noGrp="1"/>
+          </p:cNvSpPr>
+          <p:nvPr>
+            <p:ph type="title"/>
+          </p:nvPr>
+        </p:nvSpPr>
+        <p:spPr/>
+        <p:txBody>
+          <a:bodyPr/>
+          <a:lstStyle/>
+          <a:p>
+            <a:r>
+              <a:rPr lang="en-US" dirty="0" smtClean="0"/>
               <a:t>Configuration</a:t>
             </a:r>
             <a:endParaRPr lang="en-US" dirty="0"/>
@@ -4210,14 +4168,7 @@
                 <a:latin typeface="Courier New" pitchFamily="49" charset="0"/>
                 <a:cs typeface="Courier New" pitchFamily="49" charset="0"/>
               </a:rPr>
-              <a:t> add “Agent Controller” “C</a:t>
-            </a:r>
-            <a:r>
-              <a:rPr lang="en-US" dirty="0" smtClean="0">
-                <a:latin typeface="Courier New" pitchFamily="49" charset="0"/>
-                <a:cs typeface="Courier New" pitchFamily="49" charset="0"/>
-              </a:rPr>
-              <a:t>:\tptpAC”</a:t>
+              <a:t> add “Agent Controller” “C:\tptpAC”</a:t>
             </a:r>
           </a:p>
           <a:p>
@@ -4229,13 +4180,7 @@
               <a:rPr lang="en-US" dirty="0" smtClean="0">
                 <a:cs typeface="Courier New" pitchFamily="49" charset="0"/>
               </a:rPr>
-              <a:t>Querying </a:t>
-            </a:r>
-            <a:r>
-              <a:rPr lang="en-US" dirty="0" smtClean="0">
-                <a:cs typeface="Courier New" pitchFamily="49" charset="0"/>
-              </a:rPr>
-              <a:t>Agent Controller Version Information</a:t>
+              <a:t>Querying Agent Controller Version Information</a:t>
             </a:r>
           </a:p>
           <a:p>
@@ -4312,7 +4257,7 @@
 </file>
 
 <file path=ppt/slides/slide8.xml><?xml version="1.0" encoding="utf-8"?>
-<p:sld xmlns:a="http://schemas.openxmlformats.org/drawingml/2006/main" xmlns:r="http://schemas.openxmlformats.org/officeDocument/2006/relationships" xmlns:p="http://schemas.openxmlformats.org/presentationml/2006/main">
+<p:sld xmlns:a="http://schemas.openxmlformats.org/drawingml/2006/main" xmlns:r="http://schemas.openxmlformats.org/officeDocument/2006/relationships" xmlns:mc="http://schemas.openxmlformats.org/markup-compatibility/2006" xmlns:mv="urn:schemas-microsoft-com:mac:vml" xmlns:p="http://schemas.openxmlformats.org/presentationml/2006/main" mc:Ignorable="mv" mc:PreserveAttributes="mv:*">
   <p:cSld>
     <p:spTree>
       <p:nvGrpSpPr>
@@ -4390,7 +4335,7 @@
 </file>
 
 <file path=ppt/slides/slide9.xml><?xml version="1.0" encoding="utf-8"?>
-<p:sld xmlns:a="http://schemas.openxmlformats.org/drawingml/2006/main" xmlns:r="http://schemas.openxmlformats.org/officeDocument/2006/relationships" xmlns:p="http://schemas.openxmlformats.org/presentationml/2006/main">
+<p:sld xmlns:a="http://schemas.openxmlformats.org/drawingml/2006/main" xmlns:r="http://schemas.openxmlformats.org/officeDocument/2006/relationships" xmlns:mc="http://schemas.openxmlformats.org/markup-compatibility/2006" xmlns:mv="urn:schemas-microsoft-com:mac:vml" xmlns:p="http://schemas.openxmlformats.org/presentationml/2006/main" mc:Ignorable="mv" mc:PreserveAttributes="mv:*">
   <p:cSld>
     <p:spTree>
       <p:nvGrpSpPr>
@@ -4456,9 +4401,36 @@
             <a:pPr lvl="1"/>
             <a:r>
               <a:rPr lang="en-US" dirty="0" smtClean="0"/>
-              <a:t>Download “TPTP all-in-one package” </a:t>
-            </a:r>
-            <a:endParaRPr lang="en-US" dirty="0"/>
+              <a:t>Download “TPTP all-in-one package”</a:t>
+            </a:r>
+            <a:r>
+              <a:rPr lang="en-US" dirty="0" smtClean="0"/>
+              <a:t> </a:t>
+            </a:r>
+            <a:endParaRPr lang="en-US" dirty="0" smtClean="0"/>
+          </a:p>
+          <a:p>
+            <a:pPr lvl="1"/>
+            <a:r>
+              <a:rPr lang="en-US" dirty="0" smtClean="0"/>
+              <a:t>Unzip the package</a:t>
+            </a:r>
+          </a:p>
+          <a:p>
+            <a:pPr lvl="1"/>
+            <a:r>
+              <a:rPr lang="en-US" dirty="0" smtClean="0"/>
+              <a:t>Run </a:t>
+            </a:r>
+            <a:r>
+              <a:rPr lang="en-US" dirty="0" err="1" smtClean="0"/>
+              <a:t>eclipse.exe</a:t>
+            </a:r>
+            <a:r>
+              <a:rPr lang="en-US" dirty="0" smtClean="0"/>
+              <a:t> in the unzipped package</a:t>
+            </a:r>
+            <a:endParaRPr lang="en-US" dirty="0" smtClean="0"/>
           </a:p>
         </p:txBody>
       </p:sp>
